--- a/Doc/M5-G1-architecture-draft.pptx
+++ b/Doc/M5-G1-architecture-draft.pptx
@@ -269,7 +269,7 @@
           <a:p>
             <a:fld id="{AB748347-A6DF-4256-819A-9872CE6F5B9A}" type="datetimeFigureOut">
               <a:rPr lang="it-IT" smtClean="0"/>
-              <a:t>28/01/2025</a:t>
+              <a:t>30/01/2025</a:t>
             </a:fld>
             <a:endParaRPr lang="it-IT"/>
           </a:p>
@@ -469,7 +469,7 @@
           <a:p>
             <a:fld id="{AB748347-A6DF-4256-819A-9872CE6F5B9A}" type="datetimeFigureOut">
               <a:rPr lang="it-IT" smtClean="0"/>
-              <a:t>28/01/2025</a:t>
+              <a:t>30/01/2025</a:t>
             </a:fld>
             <a:endParaRPr lang="it-IT"/>
           </a:p>
@@ -679,7 +679,7 @@
           <a:p>
             <a:fld id="{AB748347-A6DF-4256-819A-9872CE6F5B9A}" type="datetimeFigureOut">
               <a:rPr lang="it-IT" smtClean="0"/>
-              <a:t>28/01/2025</a:t>
+              <a:t>30/01/2025</a:t>
             </a:fld>
             <a:endParaRPr lang="it-IT"/>
           </a:p>
@@ -879,7 +879,7 @@
           <a:p>
             <a:fld id="{AB748347-A6DF-4256-819A-9872CE6F5B9A}" type="datetimeFigureOut">
               <a:rPr lang="it-IT" smtClean="0"/>
-              <a:t>28/01/2025</a:t>
+              <a:t>30/01/2025</a:t>
             </a:fld>
             <a:endParaRPr lang="it-IT"/>
           </a:p>
@@ -1155,7 +1155,7 @@
           <a:p>
             <a:fld id="{AB748347-A6DF-4256-819A-9872CE6F5B9A}" type="datetimeFigureOut">
               <a:rPr lang="it-IT" smtClean="0"/>
-              <a:t>28/01/2025</a:t>
+              <a:t>30/01/2025</a:t>
             </a:fld>
             <a:endParaRPr lang="it-IT"/>
           </a:p>
@@ -1423,7 +1423,7 @@
           <a:p>
             <a:fld id="{AB748347-A6DF-4256-819A-9872CE6F5B9A}" type="datetimeFigureOut">
               <a:rPr lang="it-IT" smtClean="0"/>
-              <a:t>28/01/2025</a:t>
+              <a:t>30/01/2025</a:t>
             </a:fld>
             <a:endParaRPr lang="it-IT"/>
           </a:p>
@@ -1838,7 +1838,7 @@
           <a:p>
             <a:fld id="{AB748347-A6DF-4256-819A-9872CE6F5B9A}" type="datetimeFigureOut">
               <a:rPr lang="it-IT" smtClean="0"/>
-              <a:t>28/01/2025</a:t>
+              <a:t>30/01/2025</a:t>
             </a:fld>
             <a:endParaRPr lang="it-IT"/>
           </a:p>
@@ -1980,7 +1980,7 @@
           <a:p>
             <a:fld id="{AB748347-A6DF-4256-819A-9872CE6F5B9A}" type="datetimeFigureOut">
               <a:rPr lang="it-IT" smtClean="0"/>
-              <a:t>28/01/2025</a:t>
+              <a:t>30/01/2025</a:t>
             </a:fld>
             <a:endParaRPr lang="it-IT"/>
           </a:p>
@@ -2093,7 +2093,7 @@
           <a:p>
             <a:fld id="{AB748347-A6DF-4256-819A-9872CE6F5B9A}" type="datetimeFigureOut">
               <a:rPr lang="it-IT" smtClean="0"/>
-              <a:t>28/01/2025</a:t>
+              <a:t>30/01/2025</a:t>
             </a:fld>
             <a:endParaRPr lang="it-IT"/>
           </a:p>
@@ -2406,7 +2406,7 @@
           <a:p>
             <a:fld id="{AB748347-A6DF-4256-819A-9872CE6F5B9A}" type="datetimeFigureOut">
               <a:rPr lang="it-IT" smtClean="0"/>
-              <a:t>28/01/2025</a:t>
+              <a:t>30/01/2025</a:t>
             </a:fld>
             <a:endParaRPr lang="it-IT"/>
           </a:p>
@@ -2695,7 +2695,7 @@
           <a:p>
             <a:fld id="{AB748347-A6DF-4256-819A-9872CE6F5B9A}" type="datetimeFigureOut">
               <a:rPr lang="it-IT" smtClean="0"/>
-              <a:t>28/01/2025</a:t>
+              <a:t>30/01/2025</a:t>
             </a:fld>
             <a:endParaRPr lang="it-IT"/>
           </a:p>
@@ -2938,7 +2938,7 @@
           <a:p>
             <a:fld id="{AB748347-A6DF-4256-819A-9872CE6F5B9A}" type="datetimeFigureOut">
               <a:rPr lang="it-IT" smtClean="0"/>
-              <a:t>28/01/2025</a:t>
+              <a:t>30/01/2025</a:t>
             </a:fld>
             <a:endParaRPr lang="it-IT"/>
           </a:p>
@@ -3384,7 +3384,7 @@
         </p:blipFill>
         <p:spPr bwMode="auto">
           <a:xfrm>
-            <a:off x="895023" y="3102787"/>
+            <a:off x="1369845" y="3037131"/>
             <a:ext cx="652425" cy="652425"/>
           </a:xfrm>
           <a:prstGeom prst="rect">
@@ -3424,8 +3424,8 @@
         </p:nvCxnSpPr>
         <p:spPr>
           <a:xfrm>
-            <a:off x="1547448" y="3429000"/>
-            <a:ext cx="840125" cy="0"/>
+            <a:off x="2022270" y="3363344"/>
+            <a:ext cx="874085" cy="5371"/>
           </a:xfrm>
           <a:prstGeom prst="straightConnector1">
             <a:avLst/>
@@ -3482,7 +3482,7 @@
         </p:blipFill>
         <p:spPr bwMode="auto">
           <a:xfrm>
-            <a:off x="5443808" y="2298951"/>
+            <a:off x="5013778" y="3843852"/>
             <a:ext cx="500290" cy="500290"/>
           </a:xfrm>
           <a:prstGeom prst="rect">
@@ -3513,46 +3513,6 @@
           </a:extLst>
         </p:spPr>
       </p:pic>
-      <p:sp>
-        <p:nvSpPr>
-          <p:cNvPr id="15" name="TextBox 14">
-            <a:extLst>
-              <a:ext uri="{FF2B5EF4-FFF2-40B4-BE49-F238E27FC236}">
-                <a16:creationId xmlns:a16="http://schemas.microsoft.com/office/drawing/2014/main" id="{A4D6A804-775F-CC02-A9F2-1A7BDABD4268}"/>
-              </a:ext>
-            </a:extLst>
-          </p:cNvPr>
-          <p:cNvSpPr txBox="1"/>
-          <p:nvPr/>
-        </p:nvSpPr>
-        <p:spPr>
-          <a:xfrm>
-            <a:off x="5177667" y="2820545"/>
-            <a:ext cx="1039030" cy="215444"/>
-          </a:xfrm>
-          <a:prstGeom prst="rect">
-            <a:avLst/>
-          </a:prstGeom>
-          <a:noFill/>
-        </p:spPr>
-        <p:txBody>
-          <a:bodyPr wrap="square">
-            <a:spAutoFit/>
-          </a:bodyPr>
-          <a:lstStyle/>
-          <a:p>
-            <a:pPr algn="ctr"/>
-            <a:r>
-              <a:rPr lang="it-IT" sz="800" b="0" i="0" dirty="0">
-                <a:effectLst/>
-                <a:latin typeface="Amazon Ember" panose="020B0603020204020204"/>
-              </a:rPr>
-              <a:t>M5-G1-s3-row-data</a:t>
-            </a:r>
-            <a:endParaRPr lang="it-IT" sz="800" dirty="0"/>
-          </a:p>
-        </p:txBody>
-      </p:sp>
       <p:pic>
         <p:nvPicPr>
           <p:cNvPr id="16" name="Graphic 19">
@@ -3582,8 +3542,8 @@
         </p:blipFill>
         <p:spPr bwMode="auto">
           <a:xfrm>
-            <a:off x="2972424" y="1541809"/>
-            <a:ext cx="454748" cy="454748"/>
+            <a:off x="2890220" y="1469587"/>
+            <a:ext cx="533037" cy="533037"/>
           </a:xfrm>
           <a:prstGeom prst="rect">
             <a:avLst/>
@@ -3627,7 +3587,7 @@
         </p:nvSpPr>
         <p:spPr>
           <a:xfrm>
-            <a:off x="2457068" y="1998371"/>
+            <a:off x="2397812" y="1995195"/>
             <a:ext cx="1485461" cy="338554"/>
           </a:xfrm>
           <a:prstGeom prst="rect">
@@ -3653,7 +3613,7 @@
             <a:pPr algn="ctr"/>
             <a:r>
               <a:rPr lang="it-IT" sz="800" dirty="0"/>
-              <a:t>cron(0 7 * * ? *)</a:t>
+              <a:t>cron(0 7 ? * 1 *)</a:t>
             </a:r>
           </a:p>
         </p:txBody>
@@ -3669,15 +3629,14 @@
           </p:cNvPr>
           <p:cNvCxnSpPr>
             <a:cxnSpLocks/>
-            <a:stCxn id="17" idx="2"/>
-            <a:endCxn id="62" idx="0"/>
+            <a:endCxn id="9" idx="0"/>
           </p:cNvCxnSpPr>
           <p:nvPr/>
         </p:nvCxnSpPr>
         <p:spPr>
           <a:xfrm>
-            <a:off x="3199799" y="2336925"/>
-            <a:ext cx="4835" cy="469237"/>
+            <a:off x="3148639" y="2333749"/>
+            <a:ext cx="8100" cy="769038"/>
           </a:xfrm>
           <a:prstGeom prst="straightConnector1">
             <a:avLst/>
@@ -3715,15 +3674,15 @@
           </p:cNvPr>
           <p:cNvCxnSpPr>
             <a:cxnSpLocks/>
-            <a:stCxn id="14" idx="3"/>
+            <a:stCxn id="22" idx="3"/>
             <a:endCxn id="29" idx="1"/>
           </p:cNvCxnSpPr>
           <p:nvPr/>
         </p:nvCxnSpPr>
         <p:spPr>
           <a:xfrm>
-            <a:off x="5944098" y="2549096"/>
-            <a:ext cx="1163213" cy="642592"/>
+            <a:off x="5524480" y="2513375"/>
+            <a:ext cx="1553044" cy="746217"/>
           </a:xfrm>
           <a:prstGeom prst="straightConnector1">
             <a:avLst/>
@@ -3764,8 +3723,8 @@
         </p:nvSpPr>
         <p:spPr>
           <a:xfrm>
-            <a:off x="7107311" y="1468531"/>
-            <a:ext cx="2338985" cy="3446314"/>
+            <a:off x="7077524" y="1142770"/>
+            <a:ext cx="1986817" cy="4233643"/>
           </a:xfrm>
           <a:prstGeom prst="rect">
             <a:avLst/>
@@ -3816,7 +3775,7 @@
         </p:nvSpPr>
         <p:spPr>
           <a:xfrm>
-            <a:off x="7423705" y="1469072"/>
+            <a:off x="7393916" y="1142770"/>
             <a:ext cx="2037161" cy="307777"/>
           </a:xfrm>
           <a:prstGeom prst="rect">
@@ -3866,7 +3825,7 @@
         </p:blipFill>
         <p:spPr bwMode="auto">
           <a:xfrm>
-            <a:off x="7114072" y="1469072"/>
+            <a:off x="7084283" y="1142770"/>
             <a:ext cx="345017" cy="345017"/>
           </a:xfrm>
           <a:prstGeom prst="rect">
@@ -3895,15 +3854,15 @@
           </p:cNvPr>
           <p:cNvCxnSpPr>
             <a:cxnSpLocks/>
-            <a:stCxn id="23" idx="3"/>
+            <a:stCxn id="14" idx="3"/>
             <a:endCxn id="29" idx="1"/>
           </p:cNvCxnSpPr>
           <p:nvPr/>
         </p:nvCxnSpPr>
         <p:spPr>
           <a:xfrm flipV="1">
-            <a:off x="6401320" y="3191688"/>
-            <a:ext cx="705991" cy="851805"/>
+            <a:off x="5514068" y="3259592"/>
+            <a:ext cx="1563456" cy="834405"/>
           </a:xfrm>
           <a:prstGeom prst="straightConnector1">
             <a:avLst/>
@@ -3959,7 +3918,7 @@
         </p:blipFill>
         <p:spPr bwMode="auto">
           <a:xfrm>
-            <a:off x="7970269" y="3646920"/>
+            <a:off x="7822650" y="4053173"/>
             <a:ext cx="496564" cy="496564"/>
           </a:xfrm>
           <a:prstGeom prst="rect">
@@ -4006,7 +3965,7 @@
         </p:blipFill>
         <p:spPr bwMode="auto">
           <a:xfrm>
-            <a:off x="7945721" y="2834278"/>
+            <a:off x="7822650" y="3240531"/>
             <a:ext cx="496564" cy="496564"/>
           </a:xfrm>
           <a:prstGeom prst="rect">
@@ -4053,7 +4012,7 @@
         </p:blipFill>
         <p:spPr bwMode="auto">
           <a:xfrm>
-            <a:off x="7945721" y="2025131"/>
+            <a:off x="7822650" y="2431384"/>
             <a:ext cx="496564" cy="496564"/>
           </a:xfrm>
           <a:prstGeom prst="rect">
@@ -4085,8 +4044,8 @@
         </p:nvSpPr>
         <p:spPr>
           <a:xfrm>
-            <a:off x="7677702" y="4667323"/>
-            <a:ext cx="1529336" cy="215444"/>
+            <a:off x="7056772" y="5160969"/>
+            <a:ext cx="2007569" cy="215444"/>
           </a:xfrm>
           <a:prstGeom prst="rect">
             <a:avLst/>
@@ -4099,12 +4058,13 @@
           </a:bodyPr>
           <a:lstStyle/>
           <a:p>
+            <a:pPr algn="ctr"/>
             <a:r>
               <a:rPr lang="it-IT" sz="800" b="0" i="0" dirty="0">
                 <a:effectLst/>
                 <a:latin typeface="Amazon Ember" panose="020B0603020204020204"/>
               </a:rPr>
-              <a:t>M5-G1-Sagemaker-&lt;n-job&gt;</a:t>
+              <a:t>M5-G1-sfjobswaterfall</a:t>
             </a:r>
             <a:endParaRPr lang="it-IT" sz="800" dirty="0"/>
           </a:p>
@@ -4132,7 +4092,7 @@
         </p:blipFill>
         <p:spPr>
           <a:xfrm>
-            <a:off x="7500264" y="5313848"/>
+            <a:off x="7162648" y="5719851"/>
             <a:ext cx="512972" cy="512972"/>
           </a:xfrm>
           <a:prstGeom prst="rect">
@@ -4162,7 +4122,7 @@
         </p:blipFill>
         <p:spPr>
           <a:xfrm>
-            <a:off x="8509995" y="5360755"/>
+            <a:off x="8331489" y="5765084"/>
             <a:ext cx="438211" cy="419158"/>
           </a:xfrm>
           <a:prstGeom prst="rect">
@@ -4184,7 +4144,7 @@
         </p:nvSpPr>
         <p:spPr>
           <a:xfrm>
-            <a:off x="7272010" y="5826820"/>
+            <a:off x="6934394" y="6232823"/>
             <a:ext cx="1286733" cy="215444"/>
           </a:xfrm>
           <a:prstGeom prst="rect">
@@ -4223,7 +4183,7 @@
         </p:nvSpPr>
         <p:spPr>
           <a:xfrm>
-            <a:off x="8321069" y="5826820"/>
+            <a:off x="8100082" y="6198898"/>
             <a:ext cx="1286733" cy="215444"/>
           </a:xfrm>
           <a:prstGeom prst="rect">
@@ -4259,14 +4219,13 @@
           </p:cNvPr>
           <p:cNvCxnSpPr>
             <a:cxnSpLocks/>
-            <a:endCxn id="45" idx="0"/>
           </p:cNvCxnSpPr>
           <p:nvPr/>
         </p:nvCxnSpPr>
         <p:spPr>
           <a:xfrm>
-            <a:off x="7756750" y="4927297"/>
-            <a:ext cx="0" cy="386551"/>
+            <a:off x="7427566" y="5383731"/>
+            <a:ext cx="0" cy="285258"/>
           </a:xfrm>
           <a:prstGeom prst="straightConnector1">
             <a:avLst/>
@@ -4310,9 +4269,9 @@
           <p:nvPr/>
         </p:nvCxnSpPr>
         <p:spPr>
-          <a:xfrm>
-            <a:off x="8013236" y="5570334"/>
-            <a:ext cx="496759" cy="0"/>
+          <a:xfrm flipV="1">
+            <a:off x="7675620" y="5974663"/>
+            <a:ext cx="655869" cy="1674"/>
           </a:xfrm>
           <a:prstGeom prst="straightConnector1">
             <a:avLst/>
@@ -4350,14 +4309,13 @@
           </p:cNvPr>
           <p:cNvCxnSpPr>
             <a:cxnSpLocks/>
-            <a:stCxn id="47" idx="0"/>
           </p:cNvCxnSpPr>
           <p:nvPr/>
         </p:nvCxnSpPr>
         <p:spPr>
-          <a:xfrm flipH="1" flipV="1">
-            <a:off x="8729100" y="4927297"/>
-            <a:ext cx="1" cy="433458"/>
+          <a:xfrm flipV="1">
+            <a:off x="8576733" y="5383731"/>
+            <a:ext cx="0" cy="285258"/>
           </a:xfrm>
           <a:prstGeom prst="straightConnector1">
             <a:avLst/>
@@ -4500,7 +4458,7 @@
         </p:blipFill>
         <p:spPr bwMode="auto">
           <a:xfrm>
-            <a:off x="10312630" y="384800"/>
+            <a:off x="9544043" y="1861578"/>
             <a:ext cx="500290" cy="500290"/>
           </a:xfrm>
           <a:prstGeom prst="rect">
@@ -4548,8 +4506,8 @@
         </p:nvCxnSpPr>
         <p:spPr>
           <a:xfrm flipV="1">
-            <a:off x="9459976" y="634945"/>
-            <a:ext cx="852654" cy="84624"/>
+            <a:off x="9069814" y="2111723"/>
+            <a:ext cx="474229" cy="10411"/>
           </a:xfrm>
           <a:prstGeom prst="straightConnector1">
             <a:avLst/>
@@ -4577,45 +4535,6 @@
           </a:fontRef>
         </p:style>
       </p:cxnSp>
-      <p:sp>
-        <p:nvSpPr>
-          <p:cNvPr id="1039" name="TextBox 1038">
-            <a:extLst>
-              <a:ext uri="{FF2B5EF4-FFF2-40B4-BE49-F238E27FC236}">
-                <a16:creationId xmlns:a16="http://schemas.microsoft.com/office/drawing/2014/main" id="{812C70FC-E6E0-17DD-29D0-6DFD13F15616}"/>
-              </a:ext>
-            </a:extLst>
-          </p:cNvPr>
-          <p:cNvSpPr txBox="1"/>
-          <p:nvPr/>
-        </p:nvSpPr>
-        <p:spPr>
-          <a:xfrm>
-            <a:off x="9996887" y="885090"/>
-            <a:ext cx="1529336" cy="215444"/>
-          </a:xfrm>
-          <a:prstGeom prst="rect">
-            <a:avLst/>
-          </a:prstGeom>
-          <a:noFill/>
-        </p:spPr>
-        <p:txBody>
-          <a:bodyPr wrap="square">
-            <a:spAutoFit/>
-          </a:bodyPr>
-          <a:lstStyle/>
-          <a:p>
-            <a:r>
-              <a:rPr lang="it-IT" sz="800" b="0" i="0" dirty="0">
-                <a:effectLst/>
-                <a:latin typeface="Amazon Ember" panose="020B0603020204020204"/>
-              </a:rPr>
-              <a:t>M5-G1-s3r-&lt;n-bucket&gt;</a:t>
-            </a:r>
-            <a:endParaRPr lang="it-IT" sz="800" dirty="0"/>
-          </a:p>
-        </p:txBody>
-      </p:sp>
       <p:cxnSp>
         <p:nvCxnSpPr>
           <p:cNvPr id="2" name="Straight Arrow Connector 1">
@@ -4627,15 +4546,15 @@
           </p:cNvPr>
           <p:cNvCxnSpPr>
             <a:cxnSpLocks/>
-            <a:stCxn id="62" idx="3"/>
-            <a:endCxn id="14" idx="1"/>
+            <a:stCxn id="9" idx="3"/>
+            <a:endCxn id="22" idx="1"/>
           </p:cNvCxnSpPr>
           <p:nvPr/>
         </p:nvCxnSpPr>
         <p:spPr>
           <a:xfrm flipV="1">
-            <a:off x="3996866" y="2549096"/>
-            <a:ext cx="1446942" cy="900414"/>
+            <a:off x="3417295" y="2513375"/>
+            <a:ext cx="1586072" cy="849969"/>
           </a:xfrm>
           <a:prstGeom prst="straightConnector1">
             <a:avLst/>
@@ -4673,15 +4592,15 @@
           </p:cNvPr>
           <p:cNvCxnSpPr>
             <a:cxnSpLocks/>
-            <a:stCxn id="62" idx="3"/>
-            <a:endCxn id="23" idx="1"/>
+            <a:stCxn id="9" idx="3"/>
+            <a:endCxn id="14" idx="1"/>
           </p:cNvCxnSpPr>
           <p:nvPr/>
         </p:nvCxnSpPr>
         <p:spPr>
           <a:xfrm>
-            <a:off x="3996866" y="3449510"/>
-            <a:ext cx="819990" cy="593983"/>
+            <a:off x="3417295" y="3363344"/>
+            <a:ext cx="1596483" cy="730653"/>
           </a:xfrm>
           <a:prstGeom prst="straightConnector1">
             <a:avLst/>
@@ -4710,10 +4629,10 @@
       </p:cxnSp>
       <p:pic>
         <p:nvPicPr>
-          <p:cNvPr id="1026" name="Picture 2" descr="Getting started with docker">
-            <a:extLst>
-              <a:ext uri="{FF2B5EF4-FFF2-40B4-BE49-F238E27FC236}">
-                <a16:creationId xmlns:a16="http://schemas.microsoft.com/office/drawing/2014/main" id="{522F372B-05BF-BDCB-68A2-631BD33C2B1B}"/>
+          <p:cNvPr id="12" name="Picture 2" descr="Getting started with docker">
+            <a:extLst>
+              <a:ext uri="{FF2B5EF4-FFF2-40B4-BE49-F238E27FC236}">
+                <a16:creationId xmlns:a16="http://schemas.microsoft.com/office/drawing/2014/main" id="{8CAC9C45-192B-9BEA-740E-8C95E4CA4CE5}"/>
               </a:ext>
             </a:extLst>
           </p:cNvPr>
@@ -4737,7 +4656,7 @@
         </p:blipFill>
         <p:spPr bwMode="auto">
           <a:xfrm>
-            <a:off x="5634065" y="3858521"/>
+            <a:off x="5266102" y="1182255"/>
             <a:ext cx="518876" cy="443958"/>
           </a:xfrm>
           <a:prstGeom prst="rect">
@@ -4757,10 +4676,10 @@
       </p:pic>
       <p:pic>
         <p:nvPicPr>
-          <p:cNvPr id="6" name="Picture 4" descr="Day 20 | AWS ECR. AWS ECR (Elastic Container Registry) is… | by Sarat ...">
-            <a:extLst>
-              <a:ext uri="{FF2B5EF4-FFF2-40B4-BE49-F238E27FC236}">
-                <a16:creationId xmlns:a16="http://schemas.microsoft.com/office/drawing/2014/main" id="{34F7B255-7EA4-A744-E682-F42569EC526E}"/>
+          <p:cNvPr id="13" name="Picture 4" descr="Day 20 | AWS ECR. AWS ECR (Elastic Container Registry) is… | by Sarat ...">
+            <a:extLst>
+              <a:ext uri="{FF2B5EF4-FFF2-40B4-BE49-F238E27FC236}">
+                <a16:creationId xmlns:a16="http://schemas.microsoft.com/office/drawing/2014/main" id="{4075A8D3-FE35-2F2D-3DE9-17588515F602}"/>
               </a:ext>
             </a:extLst>
           </p:cNvPr>
@@ -4784,7 +4703,7 @@
         </p:blipFill>
         <p:spPr bwMode="auto">
           <a:xfrm>
-            <a:off x="4990779" y="3873051"/>
+            <a:off x="4662107" y="1229577"/>
             <a:ext cx="410375" cy="410375"/>
           </a:xfrm>
           <a:prstGeom prst="rect">
@@ -4804,10 +4723,10 @@
       </p:pic>
       <p:sp>
         <p:nvSpPr>
-          <p:cNvPr id="7" name="TextBox 6">
-            <a:extLst>
-              <a:ext uri="{FF2B5EF4-FFF2-40B4-BE49-F238E27FC236}">
-                <a16:creationId xmlns:a16="http://schemas.microsoft.com/office/drawing/2014/main" id="{BBDF2B51-0114-90C7-59B1-F71E848F13DC}"/>
+          <p:cNvPr id="18" name="TextBox 17">
+            <a:extLst>
+              <a:ext uri="{FF2B5EF4-FFF2-40B4-BE49-F238E27FC236}">
+                <a16:creationId xmlns:a16="http://schemas.microsoft.com/office/drawing/2014/main" id="{83B39417-5301-C995-167E-2C69EB0B50DC}"/>
               </a:ext>
             </a:extLst>
           </p:cNvPr>
@@ -4816,7 +4735,7 @@
         </p:nvSpPr>
         <p:spPr>
           <a:xfrm>
-            <a:off x="4655166" y="4328424"/>
+            <a:off x="4301287" y="1644488"/>
             <a:ext cx="1907844" cy="461665"/>
           </a:xfrm>
           <a:prstGeom prst="rect">
@@ -4841,7 +4760,7 @@
           </a:lstStyle>
           <a:p>
             <a:r>
-              <a:rPr lang="it-IT" dirty="0"/>
+              <a:rPr lang="it-IT"/>
               <a:t>314146336986.dkr.ecr.us-east-1.amazonaws.com/gruppo1</a:t>
             </a:r>
           </a:p>
@@ -4852,10 +4771,10 @@
       </p:sp>
       <p:sp>
         <p:nvSpPr>
-          <p:cNvPr id="23" name="Rectangle 22">
-            <a:extLst>
-              <a:ext uri="{FF2B5EF4-FFF2-40B4-BE49-F238E27FC236}">
-                <a16:creationId xmlns:a16="http://schemas.microsoft.com/office/drawing/2014/main" id="{DDAFC725-42EE-3869-A74F-AF9D84004A0D}"/>
+          <p:cNvPr id="20" name="Rectangle 19">
+            <a:extLst>
+              <a:ext uri="{FF2B5EF4-FFF2-40B4-BE49-F238E27FC236}">
+                <a16:creationId xmlns:a16="http://schemas.microsoft.com/office/drawing/2014/main" id="{F52FB242-9419-A915-262A-EC6ED4B2A8A2}"/>
               </a:ext>
             </a:extLst>
           </p:cNvPr>
@@ -4864,8 +4783,8 @@
         </p:nvSpPr>
         <p:spPr>
           <a:xfrm>
-            <a:off x="4816856" y="3400145"/>
-            <a:ext cx="1584464" cy="1286696"/>
+            <a:off x="4471691" y="1090495"/>
+            <a:ext cx="1584464" cy="936839"/>
           </a:xfrm>
           <a:prstGeom prst="rect">
             <a:avLst/>
@@ -4875,6 +4794,7 @@
             <a:solidFill>
               <a:schemeClr val="tx1"/>
             </a:solidFill>
+            <a:prstDash val="sysDash"/>
           </a:ln>
         </p:spPr>
         <p:style>
@@ -4902,47 +4822,58 @@
           </a:p>
         </p:txBody>
       </p:sp>
-      <p:sp>
-        <p:nvSpPr>
-          <p:cNvPr id="24" name="TextBox 23">
-            <a:extLst>
-              <a:ext uri="{FF2B5EF4-FFF2-40B4-BE49-F238E27FC236}">
-                <a16:creationId xmlns:a16="http://schemas.microsoft.com/office/drawing/2014/main" id="{D71E653E-0483-A65C-C712-6C18B5B4C3CA}"/>
-              </a:ext>
-            </a:extLst>
-          </p:cNvPr>
-          <p:cNvSpPr txBox="1"/>
+      <p:cxnSp>
+        <p:nvCxnSpPr>
+          <p:cNvPr id="48" name="Straight Arrow Connector 47">
+            <a:extLst>
+              <a:ext uri="{FF2B5EF4-FFF2-40B4-BE49-F238E27FC236}">
+                <a16:creationId xmlns:a16="http://schemas.microsoft.com/office/drawing/2014/main" id="{85880BF7-4EB3-3B80-C61F-1E3D5A8BB5F4}"/>
+              </a:ext>
+            </a:extLst>
+          </p:cNvPr>
+          <p:cNvCxnSpPr>
+            <a:cxnSpLocks/>
+            <a:endCxn id="20" idx="3"/>
+          </p:cNvCxnSpPr>
           <p:nvPr/>
-        </p:nvSpPr>
+        </p:nvCxnSpPr>
         <p:spPr>
-          <a:xfrm>
-            <a:off x="5118680" y="3394382"/>
-            <a:ext cx="1274832" cy="307777"/>
-          </a:xfrm>
-          <a:prstGeom prst="rect">
+          <a:xfrm flipH="1" flipV="1">
+            <a:off x="6056155" y="1558915"/>
+            <a:ext cx="1224160" cy="409149"/>
+          </a:xfrm>
+          <a:prstGeom prst="straightConnector1">
             <a:avLst/>
           </a:prstGeom>
-          <a:noFill/>
-        </p:spPr>
-        <p:txBody>
-          <a:bodyPr wrap="square" rtlCol="0">
-            <a:spAutoFit/>
-          </a:bodyPr>
-          <a:lstStyle/>
-          <a:p>
-            <a:r>
-              <a:rPr lang="it-IT" sz="1400" dirty="0"/>
-              <a:t>AWS Lambda</a:t>
-            </a:r>
-          </a:p>
-        </p:txBody>
-      </p:sp>
+          <a:ln>
+            <a:solidFill>
+              <a:schemeClr val="tx1"/>
+            </a:solidFill>
+            <a:prstDash val="dash"/>
+            <a:tailEnd type="triangle"/>
+          </a:ln>
+        </p:spPr>
+        <p:style>
+          <a:lnRef idx="1">
+            <a:schemeClr val="accent1"/>
+          </a:lnRef>
+          <a:fillRef idx="0">
+            <a:schemeClr val="accent1"/>
+          </a:fillRef>
+          <a:effectRef idx="0">
+            <a:schemeClr val="accent1"/>
+          </a:effectRef>
+          <a:fontRef idx="minor">
+            <a:schemeClr val="tx1"/>
+          </a:fontRef>
+        </p:style>
+      </p:cxnSp>
       <p:pic>
         <p:nvPicPr>
-          <p:cNvPr id="39" name="Graphic 10">
-            <a:extLst>
-              <a:ext uri="{FF2B5EF4-FFF2-40B4-BE49-F238E27FC236}">
-                <a16:creationId xmlns:a16="http://schemas.microsoft.com/office/drawing/2014/main" id="{36BBD5D8-C583-6DF5-44E4-169D034A1698}"/>
+          <p:cNvPr id="5" name="Graphic 10">
+            <a:extLst>
+              <a:ext uri="{FF2B5EF4-FFF2-40B4-BE49-F238E27FC236}">
+                <a16:creationId xmlns:a16="http://schemas.microsoft.com/office/drawing/2014/main" id="{94A86350-61D1-B3BE-4A0A-970C7AAAFA40}"/>
               </a:ext>
             </a:extLst>
           </p:cNvPr>
@@ -4966,8 +4897,8 @@
         </p:blipFill>
         <p:spPr bwMode="auto">
           <a:xfrm>
-            <a:off x="4810901" y="3400144"/>
-            <a:ext cx="307778" cy="307778"/>
+            <a:off x="7810376" y="1621090"/>
+            <a:ext cx="521113" cy="521113"/>
           </a:xfrm>
           <a:prstGeom prst="rect">
             <a:avLst/>
@@ -4999,10 +4930,10 @@
       </p:pic>
       <p:sp>
         <p:nvSpPr>
-          <p:cNvPr id="40" name="TextBox 39">
-            <a:extLst>
-              <a:ext uri="{FF2B5EF4-FFF2-40B4-BE49-F238E27FC236}">
-                <a16:creationId xmlns:a16="http://schemas.microsoft.com/office/drawing/2014/main" id="{3F552CAA-9ACF-8CDC-163D-B29DE32DA9E8}"/>
+          <p:cNvPr id="8" name="TextBox 7">
+            <a:extLst>
+              <a:ext uri="{FF2B5EF4-FFF2-40B4-BE49-F238E27FC236}">
+                <a16:creationId xmlns:a16="http://schemas.microsoft.com/office/drawing/2014/main" id="{47A7E9D3-C7B5-3A71-E329-F902C108605F}"/>
               </a:ext>
             </a:extLst>
           </p:cNvPr>
@@ -5011,8 +4942,8 @@
         </p:nvSpPr>
         <p:spPr>
           <a:xfrm>
-            <a:off x="4984383" y="4699401"/>
-            <a:ext cx="1185696" cy="215444"/>
+            <a:off x="7427566" y="2174223"/>
+            <a:ext cx="1286733" cy="215444"/>
           </a:xfrm>
           <a:prstGeom prst="rect">
             <a:avLst/>
@@ -5025,52 +4956,12 @@
           </a:bodyPr>
           <a:lstStyle/>
           <a:p>
-            <a:pPr algn="ctr"/>
             <a:r>
               <a:rPr lang="it-IT" sz="800" b="0" i="0" dirty="0">
                 <a:effectLst/>
                 <a:latin typeface="Amazon Ember" panose="020B0603020204020204"/>
               </a:rPr>
-              <a:t>M5-G1-lambda-trigger</a:t>
-            </a:r>
-            <a:endParaRPr lang="it-IT" sz="800" dirty="0"/>
-          </a:p>
-        </p:txBody>
-      </p:sp>
-      <p:sp>
-        <p:nvSpPr>
-          <p:cNvPr id="57" name="TextBox 56">
-            <a:extLst>
-              <a:ext uri="{FF2B5EF4-FFF2-40B4-BE49-F238E27FC236}">
-                <a16:creationId xmlns:a16="http://schemas.microsoft.com/office/drawing/2014/main" id="{572A7F96-0562-3AF5-5636-CCBD6876F05F}"/>
-              </a:ext>
-            </a:extLst>
-          </p:cNvPr>
-          <p:cNvSpPr txBox="1"/>
-          <p:nvPr/>
-        </p:nvSpPr>
-        <p:spPr>
-          <a:xfrm>
-            <a:off x="2655796" y="4113554"/>
-            <a:ext cx="1286733" cy="215444"/>
-          </a:xfrm>
-          <a:prstGeom prst="rect">
-            <a:avLst/>
-          </a:prstGeom>
-          <a:noFill/>
-        </p:spPr>
-        <p:txBody>
-          <a:bodyPr wrap="square">
-            <a:spAutoFit/>
-          </a:bodyPr>
-          <a:lstStyle/>
-          <a:p>
-            <a:r>
-              <a:rPr lang="it-IT" sz="800" b="0" i="0" dirty="0">
-                <a:effectLst/>
-                <a:latin typeface="Amazon Ember" panose="020B0603020204020204"/>
-              </a:rPr>
-              <a:t>M5G1-lambda-ingestion</a:t>
+              <a:t>M5-G1-lambda-exec-uuid</a:t>
             </a:r>
             <a:endParaRPr lang="it-IT" sz="800" dirty="0"/>
           </a:p>
@@ -5078,10 +4969,10 @@
       </p:sp>
       <p:pic>
         <p:nvPicPr>
-          <p:cNvPr id="58" name="Picture 2" descr="Getting started with docker">
-            <a:extLst>
-              <a:ext uri="{FF2B5EF4-FFF2-40B4-BE49-F238E27FC236}">
-                <a16:creationId xmlns:a16="http://schemas.microsoft.com/office/drawing/2014/main" id="{F5D4D53A-76E7-5A14-41AC-C17DAFC3F9FF}"/>
+          <p:cNvPr id="9" name="Graphic 10">
+            <a:extLst>
+              <a:ext uri="{FF2B5EF4-FFF2-40B4-BE49-F238E27FC236}">
+                <a16:creationId xmlns:a16="http://schemas.microsoft.com/office/drawing/2014/main" id="{0A87D981-7984-04DA-F651-2AF6B59897BE}"/>
               </a:ext>
             </a:extLst>
           </p:cNvPr>
@@ -5091,7 +4982,7 @@
           <p:nvPr/>
         </p:nvPicPr>
         <p:blipFill>
-          <a:blip r:embed="rId10">
+          <a:blip r:embed="rId12">
             <a:extLst>
               <a:ext uri="{28A0092B-C50C-407E-A947-70E740481C1C}">
                 <a14:useLocalDpi xmlns:a14="http://schemas.microsoft.com/office/drawing/2010/main" val="0"/>
@@ -5105,202 +4996,8 @@
         </p:blipFill>
         <p:spPr bwMode="auto">
           <a:xfrm>
-            <a:off x="3229611" y="3264538"/>
-            <a:ext cx="518876" cy="443958"/>
-          </a:xfrm>
-          <a:prstGeom prst="rect">
-            <a:avLst/>
-          </a:prstGeom>
-          <a:noFill/>
-          <a:extLst>
-            <a:ext uri="{909E8E84-426E-40DD-AFC4-6F175D3DCCD1}">
-              <a14:hiddenFill xmlns:a14="http://schemas.microsoft.com/office/drawing/2010/main">
-                <a:solidFill>
-                  <a:srgbClr val="FFFFFF"/>
-                </a:solidFill>
-              </a14:hiddenFill>
-            </a:ext>
-          </a:extLst>
-        </p:spPr>
-      </p:pic>
-      <p:pic>
-        <p:nvPicPr>
-          <p:cNvPr id="60" name="Picture 4" descr="Day 20 | AWS ECR. AWS ECR (Elastic Container Registry) is… | by Sarat ...">
-            <a:extLst>
-              <a:ext uri="{FF2B5EF4-FFF2-40B4-BE49-F238E27FC236}">
-                <a16:creationId xmlns:a16="http://schemas.microsoft.com/office/drawing/2014/main" id="{AF32D95C-06E4-D1CC-6CBA-F1B963BA7DD8}"/>
-              </a:ext>
-            </a:extLst>
-          </p:cNvPr>
-          <p:cNvPicPr>
-            <a:picLocks noChangeAspect="1" noChangeArrowheads="1"/>
-          </p:cNvPicPr>
-          <p:nvPr/>
-        </p:nvPicPr>
-        <p:blipFill>
-          <a:blip r:embed="rId11">
-            <a:extLst>
-              <a:ext uri="{28A0092B-C50C-407E-A947-70E740481C1C}">
-                <a14:useLocalDpi xmlns:a14="http://schemas.microsoft.com/office/drawing/2010/main" val="0"/>
-              </a:ext>
-            </a:extLst>
-          </a:blip>
-          <a:srcRect/>
-          <a:stretch>
-            <a:fillRect/>
-          </a:stretch>
-        </p:blipFill>
-        <p:spPr bwMode="auto">
-          <a:xfrm>
-            <a:off x="2586325" y="3279068"/>
-            <a:ext cx="410375" cy="410375"/>
-          </a:xfrm>
-          <a:prstGeom prst="rect">
-            <a:avLst/>
-          </a:prstGeom>
-          <a:noFill/>
-          <a:extLst>
-            <a:ext uri="{909E8E84-426E-40DD-AFC4-6F175D3DCCD1}">
-              <a14:hiddenFill xmlns:a14="http://schemas.microsoft.com/office/drawing/2010/main">
-                <a:solidFill>
-                  <a:srgbClr val="FFFFFF"/>
-                </a:solidFill>
-              </a14:hiddenFill>
-            </a:ext>
-          </a:extLst>
-        </p:spPr>
-      </p:pic>
-      <p:sp>
-        <p:nvSpPr>
-          <p:cNvPr id="61" name="TextBox 60">
-            <a:extLst>
-              <a:ext uri="{FF2B5EF4-FFF2-40B4-BE49-F238E27FC236}">
-                <a16:creationId xmlns:a16="http://schemas.microsoft.com/office/drawing/2014/main" id="{B757E890-48A2-A09F-5305-76FBE383EAB9}"/>
-              </a:ext>
-            </a:extLst>
-          </p:cNvPr>
-          <p:cNvSpPr txBox="1"/>
-          <p:nvPr/>
-        </p:nvSpPr>
-        <p:spPr>
-          <a:xfrm>
-            <a:off x="2250712" y="3734441"/>
-            <a:ext cx="1907844" cy="461665"/>
-          </a:xfrm>
-          <a:prstGeom prst="rect">
-            <a:avLst/>
-          </a:prstGeom>
-          <a:noFill/>
-        </p:spPr>
-        <p:txBody>
-          <a:bodyPr wrap="square">
-            <a:spAutoFit/>
-          </a:bodyPr>
-          <a:lstStyle>
-            <a:defPPr>
-              <a:defRPr lang="it-IT"/>
-            </a:defPPr>
-            <a:lvl1pPr algn="ctr">
-              <a:defRPr sz="800" b="0" i="0">
-                <a:effectLst/>
-                <a:latin typeface="Amazon Ember" panose="020B0603020204020204"/>
-              </a:defRPr>
-            </a:lvl1pPr>
-          </a:lstStyle>
-          <a:p>
-            <a:r>
-              <a:rPr lang="it-IT" dirty="0"/>
-              <a:t>314146336986.dkr.ecr.us-east-1.amazonaws.com/gruppo1</a:t>
-            </a:r>
-          </a:p>
-          <a:p>
-            <a:endParaRPr lang="it-IT" dirty="0"/>
-          </a:p>
-        </p:txBody>
-      </p:sp>
-      <p:sp>
-        <p:nvSpPr>
-          <p:cNvPr id="62" name="Rectangle 61">
-            <a:extLst>
-              <a:ext uri="{FF2B5EF4-FFF2-40B4-BE49-F238E27FC236}">
-                <a16:creationId xmlns:a16="http://schemas.microsoft.com/office/drawing/2014/main" id="{6C54D570-AD2F-0DC4-7256-C8318BD620F9}"/>
-              </a:ext>
-            </a:extLst>
-          </p:cNvPr>
-          <p:cNvSpPr/>
-          <p:nvPr/>
-        </p:nvSpPr>
-        <p:spPr>
-          <a:xfrm>
-            <a:off x="2412402" y="2806162"/>
-            <a:ext cx="1584464" cy="1286696"/>
-          </a:xfrm>
-          <a:prstGeom prst="rect">
-            <a:avLst/>
-          </a:prstGeom>
-          <a:noFill/>
-          <a:ln>
-            <a:solidFill>
-              <a:schemeClr val="tx1"/>
-            </a:solidFill>
-          </a:ln>
-        </p:spPr>
-        <p:style>
-          <a:lnRef idx="2">
-            <a:schemeClr val="accent1">
-              <a:shade val="15000"/>
-            </a:schemeClr>
-          </a:lnRef>
-          <a:fillRef idx="1">
-            <a:schemeClr val="accent1"/>
-          </a:fillRef>
-          <a:effectRef idx="0">
-            <a:schemeClr val="accent1"/>
-          </a:effectRef>
-          <a:fontRef idx="minor">
-            <a:schemeClr val="lt1"/>
-          </a:fontRef>
-        </p:style>
-        <p:txBody>
-          <a:bodyPr rtlCol="0" anchor="ctr"/>
-          <a:lstStyle/>
-          <a:p>
-            <a:pPr algn="ctr"/>
-            <a:endParaRPr lang="it-IT" dirty="0"/>
-          </a:p>
-        </p:txBody>
-      </p:sp>
-      <p:pic>
-        <p:nvPicPr>
-          <p:cNvPr id="63" name="Graphic 10">
-            <a:extLst>
-              <a:ext uri="{FF2B5EF4-FFF2-40B4-BE49-F238E27FC236}">
-                <a16:creationId xmlns:a16="http://schemas.microsoft.com/office/drawing/2014/main" id="{080A4123-40C3-6D23-9389-8550FEB023C1}"/>
-              </a:ext>
-            </a:extLst>
-          </p:cNvPr>
-          <p:cNvPicPr>
-            <a:picLocks noChangeAspect="1" noChangeArrowheads="1"/>
-          </p:cNvPicPr>
-          <p:nvPr/>
-        </p:nvPicPr>
-        <p:blipFill>
-          <a:blip r:embed="rId12">
-            <a:extLst>
-              <a:ext uri="{28A0092B-C50C-407E-A947-70E740481C1C}">
-                <a14:useLocalDpi xmlns:a14="http://schemas.microsoft.com/office/drawing/2010/main" val="0"/>
-              </a:ext>
-            </a:extLst>
-          </a:blip>
-          <a:srcRect/>
-          <a:stretch>
-            <a:fillRect/>
-          </a:stretch>
-        </p:blipFill>
-        <p:spPr bwMode="auto">
-          <a:xfrm>
-            <a:off x="2406447" y="2806161"/>
-            <a:ext cx="307778" cy="307778"/>
+            <a:off x="2896182" y="3102787"/>
+            <a:ext cx="521113" cy="521113"/>
           </a:xfrm>
           <a:prstGeom prst="rect">
             <a:avLst/>
@@ -5332,10 +5029,10 @@
       </p:pic>
       <p:sp>
         <p:nvSpPr>
-          <p:cNvPr id="1044" name="TextBox 1043">
-            <a:extLst>
-              <a:ext uri="{FF2B5EF4-FFF2-40B4-BE49-F238E27FC236}">
-                <a16:creationId xmlns:a16="http://schemas.microsoft.com/office/drawing/2014/main" id="{EA8952F4-50CB-5D79-B2DF-17FCB8996800}"/>
+          <p:cNvPr id="11" name="TextBox 10">
+            <a:extLst>
+              <a:ext uri="{FF2B5EF4-FFF2-40B4-BE49-F238E27FC236}">
+                <a16:creationId xmlns:a16="http://schemas.microsoft.com/office/drawing/2014/main" id="{B59971AE-3CC7-F645-6CEE-83660CDF2901}"/>
               </a:ext>
             </a:extLst>
           </p:cNvPr>
@@ -5344,8 +5041,8 @@
         </p:nvSpPr>
         <p:spPr>
           <a:xfrm>
-            <a:off x="2685252" y="2799241"/>
-            <a:ext cx="1274832" cy="307777"/>
+            <a:off x="2583901" y="3620967"/>
+            <a:ext cx="1286733" cy="215444"/>
           </a:xfrm>
           <a:prstGeom prst="rect">
             <a:avLst/>
@@ -5353,24 +5050,28 @@
           <a:noFill/>
         </p:spPr>
         <p:txBody>
-          <a:bodyPr wrap="square" rtlCol="0">
+          <a:bodyPr wrap="square">
             <a:spAutoFit/>
           </a:bodyPr>
           <a:lstStyle/>
           <a:p>
             <a:r>
-              <a:rPr lang="it-IT" sz="1400" dirty="0"/>
-              <a:t>AWS Lambda</a:t>
-            </a:r>
+              <a:rPr lang="it-IT" sz="800" b="0" i="0" dirty="0">
+                <a:effectLst/>
+                <a:latin typeface="Amazon Ember" panose="020B0603020204020204"/>
+              </a:rPr>
+              <a:t>M5-G1-lambda-ingestion</a:t>
+            </a:r>
+            <a:endParaRPr lang="it-IT" sz="800" dirty="0"/>
           </a:p>
         </p:txBody>
       </p:sp>
       <p:pic>
         <p:nvPicPr>
-          <p:cNvPr id="12" name="Picture 2" descr="Getting started with docker">
-            <a:extLst>
-              <a:ext uri="{FF2B5EF4-FFF2-40B4-BE49-F238E27FC236}">
-                <a16:creationId xmlns:a16="http://schemas.microsoft.com/office/drawing/2014/main" id="{8CAC9C45-192B-9BEA-740E-8C95E4CA4CE5}"/>
+          <p:cNvPr id="22" name="Graphic 10">
+            <a:extLst>
+              <a:ext uri="{FF2B5EF4-FFF2-40B4-BE49-F238E27FC236}">
+                <a16:creationId xmlns:a16="http://schemas.microsoft.com/office/drawing/2014/main" id="{149F9E03-9CB2-7A91-E9F1-2CD129D2A912}"/>
               </a:ext>
             </a:extLst>
           </p:cNvPr>
@@ -5380,7 +5081,7 @@
           <p:nvPr/>
         </p:nvPicPr>
         <p:blipFill>
-          <a:blip r:embed="rId10">
+          <a:blip r:embed="rId12">
             <a:extLst>
               <a:ext uri="{28A0092B-C50C-407E-A947-70E740481C1C}">
                 <a14:useLocalDpi xmlns:a14="http://schemas.microsoft.com/office/drawing/2010/main" val="0"/>
@@ -5394,13 +5095,16 @@
         </p:blipFill>
         <p:spPr bwMode="auto">
           <a:xfrm>
-            <a:off x="10476066" y="2722660"/>
-            <a:ext cx="518876" cy="443958"/>
+            <a:off x="5003367" y="2252818"/>
+            <a:ext cx="521113" cy="521113"/>
           </a:xfrm>
           <a:prstGeom prst="rect">
             <a:avLst/>
           </a:prstGeom>
           <a:noFill/>
+          <a:ln>
+            <a:noFill/>
+          </a:ln>
           <a:extLst>
             <a:ext uri="{909E8E84-426E-40DD-AFC4-6F175D3DCCD1}">
               <a14:hiddenFill xmlns:a14="http://schemas.microsoft.com/office/drawing/2010/main">
@@ -5409,176 +5113,78 @@
                 </a:solidFill>
               </a14:hiddenFill>
             </a:ext>
+            <a:ext uri="{91240B29-F687-4F45-9708-019B960494DF}">
+              <a14:hiddenLine xmlns:a14="http://schemas.microsoft.com/office/drawing/2010/main" w="9525">
+                <a:solidFill>
+                  <a:srgbClr val="000000"/>
+                </a:solidFill>
+                <a:miter lim="800000"/>
+                <a:headEnd/>
+                <a:tailEnd/>
+              </a14:hiddenLine>
+            </a:ext>
           </a:extLst>
         </p:spPr>
       </p:pic>
-      <p:pic>
-        <p:nvPicPr>
-          <p:cNvPr id="13" name="Picture 4" descr="Day 20 | AWS ECR. AWS ECR (Elastic Container Registry) is… | by Sarat ...">
-            <a:extLst>
-              <a:ext uri="{FF2B5EF4-FFF2-40B4-BE49-F238E27FC236}">
-                <a16:creationId xmlns:a16="http://schemas.microsoft.com/office/drawing/2014/main" id="{4075A8D3-FE35-2F2D-3DE9-17588515F602}"/>
-              </a:ext>
-            </a:extLst>
-          </p:cNvPr>
-          <p:cNvPicPr>
-            <a:picLocks noChangeAspect="1" noChangeArrowheads="1"/>
-          </p:cNvPicPr>
+      <p:sp>
+        <p:nvSpPr>
+          <p:cNvPr id="25" name="TextBox 24">
+            <a:extLst>
+              <a:ext uri="{FF2B5EF4-FFF2-40B4-BE49-F238E27FC236}">
+                <a16:creationId xmlns:a16="http://schemas.microsoft.com/office/drawing/2014/main" id="{443BB273-00BD-E89E-F3DD-6FDE4FF22E8D}"/>
+              </a:ext>
+            </a:extLst>
+          </p:cNvPr>
+          <p:cNvSpPr txBox="1"/>
           <p:nvPr/>
-        </p:nvPicPr>
-        <p:blipFill>
-          <a:blip r:embed="rId11">
-            <a:extLst>
-              <a:ext uri="{28A0092B-C50C-407E-A947-70E740481C1C}">
-                <a14:useLocalDpi xmlns:a14="http://schemas.microsoft.com/office/drawing/2010/main" val="0"/>
-              </a:ext>
-            </a:extLst>
-          </a:blip>
-          <a:srcRect/>
-          <a:stretch>
-            <a:fillRect/>
-          </a:stretch>
-        </p:blipFill>
-        <p:spPr bwMode="auto">
-          <a:xfrm>
-            <a:off x="9791700" y="2756243"/>
-            <a:ext cx="410375" cy="410375"/>
+        </p:nvSpPr>
+        <p:spPr>
+          <a:xfrm>
+            <a:off x="4620557" y="2754985"/>
+            <a:ext cx="1286733" cy="215444"/>
           </a:xfrm>
           <a:prstGeom prst="rect">
             <a:avLst/>
           </a:prstGeom>
           <a:noFill/>
-          <a:extLst>
-            <a:ext uri="{909E8E84-426E-40DD-AFC4-6F175D3DCCD1}">
-              <a14:hiddenFill xmlns:a14="http://schemas.microsoft.com/office/drawing/2010/main">
-                <a:solidFill>
-                  <a:srgbClr val="FFFFFF"/>
-                </a:solidFill>
-              </a14:hiddenFill>
-            </a:ext>
-          </a:extLst>
-        </p:spPr>
-      </p:pic>
-      <p:sp>
-        <p:nvSpPr>
-          <p:cNvPr id="18" name="TextBox 17">
-            <a:extLst>
-              <a:ext uri="{FF2B5EF4-FFF2-40B4-BE49-F238E27FC236}">
-                <a16:creationId xmlns:a16="http://schemas.microsoft.com/office/drawing/2014/main" id="{83B39417-5301-C995-167E-2C69EB0B50DC}"/>
-              </a:ext>
-            </a:extLst>
-          </p:cNvPr>
-          <p:cNvSpPr txBox="1"/>
-          <p:nvPr/>
-        </p:nvSpPr>
-        <p:spPr>
-          <a:xfrm>
-            <a:off x="9522144" y="3185423"/>
-            <a:ext cx="1907844" cy="461665"/>
-          </a:xfrm>
-          <a:prstGeom prst="rect">
-            <a:avLst/>
-          </a:prstGeom>
-          <a:noFill/>
         </p:spPr>
         <p:txBody>
           <a:bodyPr wrap="square">
             <a:spAutoFit/>
           </a:bodyPr>
-          <a:lstStyle>
-            <a:defPPr>
-              <a:defRPr lang="it-IT"/>
-            </a:defPPr>
-            <a:lvl1pPr algn="ctr">
-              <a:defRPr sz="800" b="0" i="0">
+          <a:lstStyle/>
+          <a:p>
+            <a:r>
+              <a:rPr lang="it-IT" sz="800" b="0" i="0" dirty="0">
                 <a:effectLst/>
                 <a:latin typeface="Amazon Ember" panose="020B0603020204020204"/>
-              </a:defRPr>
-            </a:lvl1pPr>
-          </a:lstStyle>
-          <a:p>
-            <a:r>
-              <a:rPr lang="it-IT" dirty="0"/>
-              <a:t>314146336986.dkr.ecr.us-east-1.amazonaws.com/gruppo1</a:t>
-            </a:r>
-          </a:p>
-          <a:p>
-            <a:endParaRPr lang="it-IT" dirty="0"/>
-          </a:p>
-        </p:txBody>
-      </p:sp>
-      <p:sp>
-        <p:nvSpPr>
-          <p:cNvPr id="20" name="Rectangle 19">
-            <a:extLst>
-              <a:ext uri="{FF2B5EF4-FFF2-40B4-BE49-F238E27FC236}">
-                <a16:creationId xmlns:a16="http://schemas.microsoft.com/office/drawing/2014/main" id="{F52FB242-9419-A915-262A-EC6ED4B2A8A2}"/>
-              </a:ext>
-            </a:extLst>
-          </p:cNvPr>
-          <p:cNvSpPr/>
-          <p:nvPr/>
-        </p:nvSpPr>
-        <p:spPr>
-          <a:xfrm>
-            <a:off x="9658857" y="2614140"/>
-            <a:ext cx="1584464" cy="936839"/>
-          </a:xfrm>
-          <a:prstGeom prst="rect">
-            <a:avLst/>
-          </a:prstGeom>
-          <a:noFill/>
-          <a:ln>
-            <a:solidFill>
-              <a:schemeClr val="tx1"/>
-            </a:solidFill>
-          </a:ln>
-        </p:spPr>
-        <p:style>
-          <a:lnRef idx="2">
-            <a:schemeClr val="accent1">
-              <a:shade val="15000"/>
-            </a:schemeClr>
-          </a:lnRef>
-          <a:fillRef idx="1">
-            <a:schemeClr val="accent1"/>
-          </a:fillRef>
-          <a:effectRef idx="0">
-            <a:schemeClr val="accent1"/>
-          </a:effectRef>
-          <a:fontRef idx="minor">
-            <a:schemeClr val="lt1"/>
-          </a:fontRef>
-        </p:style>
-        <p:txBody>
-          <a:bodyPr rtlCol="0" anchor="ctr"/>
-          <a:lstStyle/>
-          <a:p>
-            <a:pPr algn="ctr"/>
-            <a:endParaRPr lang="it-IT" dirty="0"/>
+              </a:rPr>
+              <a:t>M5-G1-lambda-trigger</a:t>
+            </a:r>
+            <a:endParaRPr lang="it-IT" sz="800" dirty="0"/>
           </a:p>
         </p:txBody>
       </p:sp>
       <p:cxnSp>
         <p:nvCxnSpPr>
-          <p:cNvPr id="34" name="Straight Arrow Connector 33">
-            <a:extLst>
-              <a:ext uri="{FF2B5EF4-FFF2-40B4-BE49-F238E27FC236}">
-                <a16:creationId xmlns:a16="http://schemas.microsoft.com/office/drawing/2014/main" id="{EFE23D9C-CD41-8558-D7BF-A53C0B54687D}"/>
+          <p:cNvPr id="1030" name="Straight Arrow Connector 1029">
+            <a:extLst>
+              <a:ext uri="{FF2B5EF4-FFF2-40B4-BE49-F238E27FC236}">
+                <a16:creationId xmlns:a16="http://schemas.microsoft.com/office/drawing/2014/main" id="{E2FA53CA-3A74-AE26-0D29-ADA28DE78975}"/>
               </a:ext>
             </a:extLst>
           </p:cNvPr>
           <p:cNvCxnSpPr>
             <a:cxnSpLocks/>
-            <a:stCxn id="20" idx="1"/>
-            <a:endCxn id="38" idx="3"/>
+            <a:stCxn id="9" idx="0"/>
+            <a:endCxn id="20" idx="1"/>
           </p:cNvCxnSpPr>
           <p:nvPr/>
         </p:nvCxnSpPr>
         <p:spPr>
-          <a:xfrm flipH="1" flipV="1">
-            <a:off x="8442285" y="2273413"/>
-            <a:ext cx="1216572" cy="809147"/>
+          <a:xfrm flipV="1">
+            <a:off x="3156739" y="1558915"/>
+            <a:ext cx="1314952" cy="1543872"/>
           </a:xfrm>
           <a:prstGeom prst="straightConnector1">
             <a:avLst/>
@@ -5608,24 +5214,24 @@
       </p:cxnSp>
       <p:cxnSp>
         <p:nvCxnSpPr>
-          <p:cNvPr id="41" name="Straight Arrow Connector 40">
-            <a:extLst>
-              <a:ext uri="{FF2B5EF4-FFF2-40B4-BE49-F238E27FC236}">
-                <a16:creationId xmlns:a16="http://schemas.microsoft.com/office/drawing/2014/main" id="{6E0303A9-AD83-4289-F620-36FA95E9AB45}"/>
+          <p:cNvPr id="1037" name="Straight Arrow Connector 1036">
+            <a:extLst>
+              <a:ext uri="{FF2B5EF4-FFF2-40B4-BE49-F238E27FC236}">
+                <a16:creationId xmlns:a16="http://schemas.microsoft.com/office/drawing/2014/main" id="{DEFF8199-51F8-8DC6-4330-DD79B0740B17}"/>
               </a:ext>
             </a:extLst>
           </p:cNvPr>
           <p:cNvCxnSpPr>
             <a:cxnSpLocks/>
-            <a:stCxn id="20" idx="1"/>
-            <a:endCxn id="37" idx="3"/>
+            <a:stCxn id="22" idx="0"/>
+            <a:endCxn id="20" idx="2"/>
           </p:cNvCxnSpPr>
           <p:nvPr/>
         </p:nvCxnSpPr>
         <p:spPr>
-          <a:xfrm flipH="1">
-            <a:off x="8442285" y="3082560"/>
-            <a:ext cx="1216572" cy="0"/>
+          <a:xfrm flipH="1" flipV="1">
+            <a:off x="5263923" y="2027334"/>
+            <a:ext cx="1" cy="225484"/>
           </a:xfrm>
           <a:prstGeom prst="straightConnector1">
             <a:avLst/>
@@ -5653,26 +5259,261 @@
           </a:fontRef>
         </p:style>
       </p:cxnSp>
+      <p:sp>
+        <p:nvSpPr>
+          <p:cNvPr id="1143" name="TextBox 1142">
+            <a:extLst>
+              <a:ext uri="{FF2B5EF4-FFF2-40B4-BE49-F238E27FC236}">
+                <a16:creationId xmlns:a16="http://schemas.microsoft.com/office/drawing/2014/main" id="{C977F788-21D6-6A80-E56A-2CBE975F8A8E}"/>
+              </a:ext>
+            </a:extLst>
+          </p:cNvPr>
+          <p:cNvSpPr txBox="1"/>
+          <p:nvPr/>
+        </p:nvSpPr>
+        <p:spPr>
+          <a:xfrm>
+            <a:off x="4391803" y="4305011"/>
+            <a:ext cx="1759077" cy="338554"/>
+          </a:xfrm>
+          <a:prstGeom prst="rect">
+            <a:avLst/>
+          </a:prstGeom>
+          <a:noFill/>
+        </p:spPr>
+        <p:txBody>
+          <a:bodyPr wrap="square">
+            <a:spAutoFit/>
+          </a:bodyPr>
+          <a:lstStyle/>
+          <a:p>
+            <a:pPr algn="ctr"/>
+            <a:r>
+              <a:rPr lang="it-IT" sz="800" dirty="0">
+                <a:latin typeface="Amazon Ember" panose="020B0603020204020204"/>
+              </a:rPr>
+              <a:t>s3://data-remote-repository-cefriel/gruppo-1/raw/</a:t>
+            </a:r>
+          </a:p>
+        </p:txBody>
+      </p:sp>
+      <p:sp>
+        <p:nvSpPr>
+          <p:cNvPr id="1144" name="TextBox 1143">
+            <a:extLst>
+              <a:ext uri="{FF2B5EF4-FFF2-40B4-BE49-F238E27FC236}">
+                <a16:creationId xmlns:a16="http://schemas.microsoft.com/office/drawing/2014/main" id="{FEDDC5E3-9DB0-F236-70F2-D20C0B6C2698}"/>
+              </a:ext>
+            </a:extLst>
+          </p:cNvPr>
+          <p:cNvSpPr txBox="1"/>
+          <p:nvPr/>
+        </p:nvSpPr>
+        <p:spPr>
+          <a:xfrm>
+            <a:off x="9136574" y="2346479"/>
+            <a:ext cx="1374266" cy="461665"/>
+          </a:xfrm>
+          <a:prstGeom prst="rect">
+            <a:avLst/>
+          </a:prstGeom>
+          <a:noFill/>
+        </p:spPr>
+        <p:txBody>
+          <a:bodyPr wrap="square">
+            <a:spAutoFit/>
+          </a:bodyPr>
+          <a:lstStyle/>
+          <a:p>
+            <a:pPr algn="ctr"/>
+            <a:r>
+              <a:rPr lang="it-IT" sz="800" b="0" i="0" dirty="0">
+                <a:solidFill>
+                  <a:srgbClr val="0F141A"/>
+                </a:solidFill>
+                <a:effectLst/>
+                <a:latin typeface="Amazon Ember" panose="020B0603020204020204"/>
+              </a:rPr>
+              <a:t>s3://data-remote-repository-cefriel/gruppo-1/processed/</a:t>
+            </a:r>
+            <a:endParaRPr lang="it-IT" sz="800" dirty="0"/>
+          </a:p>
+        </p:txBody>
+      </p:sp>
+      <p:sp>
+        <p:nvSpPr>
+          <p:cNvPr id="1147" name="TextBox 1146">
+            <a:extLst>
+              <a:ext uri="{FF2B5EF4-FFF2-40B4-BE49-F238E27FC236}">
+                <a16:creationId xmlns:a16="http://schemas.microsoft.com/office/drawing/2014/main" id="{4C04CDBD-3D5D-2648-5686-F04676159440}"/>
+              </a:ext>
+            </a:extLst>
+          </p:cNvPr>
+          <p:cNvSpPr txBox="1"/>
+          <p:nvPr/>
+        </p:nvSpPr>
+        <p:spPr>
+          <a:xfrm>
+            <a:off x="7313586" y="2911661"/>
+            <a:ext cx="1560481" cy="215444"/>
+          </a:xfrm>
+          <a:prstGeom prst="rect">
+            <a:avLst/>
+          </a:prstGeom>
+          <a:noFill/>
+        </p:spPr>
+        <p:txBody>
+          <a:bodyPr wrap="square">
+            <a:spAutoFit/>
+          </a:bodyPr>
+          <a:lstStyle/>
+          <a:p>
+            <a:r>
+              <a:rPr lang="it-IT" sz="800" dirty="0" err="1">
+                <a:latin typeface="Amazon Ember" panose="020B0603020204020204"/>
+              </a:rPr>
+              <a:t>SageMaker</a:t>
+            </a:r>
+            <a:r>
+              <a:rPr lang="it-IT" sz="800" dirty="0">
+                <a:latin typeface="Amazon Ember" panose="020B0603020204020204"/>
+              </a:rPr>
+              <a:t> </a:t>
+            </a:r>
+            <a:r>
+              <a:rPr lang="it-IT" sz="800" dirty="0" err="1">
+                <a:latin typeface="Amazon Ember" panose="020B0603020204020204"/>
+              </a:rPr>
+              <a:t>CreateProcessingJob</a:t>
+            </a:r>
+            <a:endParaRPr lang="it-IT" sz="800" dirty="0">
+              <a:latin typeface="Amazon Ember" panose="020B0603020204020204"/>
+            </a:endParaRPr>
+          </a:p>
+        </p:txBody>
+      </p:sp>
+      <p:pic>
+        <p:nvPicPr>
+          <p:cNvPr id="1149" name="Graphic 8">
+            <a:extLst>
+              <a:ext uri="{FF2B5EF4-FFF2-40B4-BE49-F238E27FC236}">
+                <a16:creationId xmlns:a16="http://schemas.microsoft.com/office/drawing/2014/main" id="{ED1B357F-1741-DF94-BFBA-B5CD4DE0C04C}"/>
+              </a:ext>
+            </a:extLst>
+          </p:cNvPr>
+          <p:cNvPicPr>
+            <a:picLocks noChangeAspect="1" noChangeArrowheads="1"/>
+          </p:cNvPicPr>
+          <p:nvPr/>
+        </p:nvPicPr>
+        <p:blipFill>
+          <a:blip r:embed="rId3">
+            <a:extLst>
+              <a:ext uri="{28A0092B-C50C-407E-A947-70E740481C1C}">
+                <a14:useLocalDpi xmlns:a14="http://schemas.microsoft.com/office/drawing/2010/main" val="0"/>
+              </a:ext>
+            </a:extLst>
+          </a:blip>
+          <a:srcRect/>
+          <a:stretch>
+            <a:fillRect/>
+          </a:stretch>
+        </p:blipFill>
+        <p:spPr bwMode="auto">
+          <a:xfrm>
+            <a:off x="9544043" y="2873390"/>
+            <a:ext cx="500290" cy="500290"/>
+          </a:xfrm>
+          <a:prstGeom prst="rect">
+            <a:avLst/>
+          </a:prstGeom>
+          <a:noFill/>
+          <a:ln>
+            <a:noFill/>
+          </a:ln>
+          <a:extLst>
+            <a:ext uri="{909E8E84-426E-40DD-AFC4-6F175D3DCCD1}">
+              <a14:hiddenFill xmlns:a14="http://schemas.microsoft.com/office/drawing/2010/main">
+                <a:solidFill>
+                  <a:srgbClr val="FFFFFF"/>
+                </a:solidFill>
+              </a14:hiddenFill>
+            </a:ext>
+            <a:ext uri="{91240B29-F687-4F45-9708-019B960494DF}">
+              <a14:hiddenLine xmlns:a14="http://schemas.microsoft.com/office/drawing/2010/main" w="9525">
+                <a:solidFill>
+                  <a:srgbClr val="000000"/>
+                </a:solidFill>
+                <a:miter lim="800000"/>
+                <a:headEnd/>
+                <a:tailEnd/>
+              </a14:hiddenLine>
+            </a:ext>
+          </a:extLst>
+        </p:spPr>
+      </p:pic>
+      <p:sp>
+        <p:nvSpPr>
+          <p:cNvPr id="1150" name="TextBox 1149">
+            <a:extLst>
+              <a:ext uri="{FF2B5EF4-FFF2-40B4-BE49-F238E27FC236}">
+                <a16:creationId xmlns:a16="http://schemas.microsoft.com/office/drawing/2014/main" id="{C7045E90-32D3-CB58-6C1C-D46292869BE0}"/>
+              </a:ext>
+            </a:extLst>
+          </p:cNvPr>
+          <p:cNvSpPr txBox="1"/>
+          <p:nvPr/>
+        </p:nvSpPr>
+        <p:spPr>
+          <a:xfrm>
+            <a:off x="9136574" y="3358291"/>
+            <a:ext cx="1374266" cy="461665"/>
+          </a:xfrm>
+          <a:prstGeom prst="rect">
+            <a:avLst/>
+          </a:prstGeom>
+          <a:noFill/>
+        </p:spPr>
+        <p:txBody>
+          <a:bodyPr wrap="square">
+            <a:spAutoFit/>
+          </a:bodyPr>
+          <a:lstStyle/>
+          <a:p>
+            <a:pPr algn="ctr"/>
+            <a:r>
+              <a:rPr lang="it-IT" sz="800" b="0" i="0" dirty="0">
+                <a:solidFill>
+                  <a:srgbClr val="0F141A"/>
+                </a:solidFill>
+                <a:effectLst/>
+                <a:latin typeface="Amazon Ember" panose="020B0603020204020204"/>
+              </a:rPr>
+              <a:t>s3://data-remote-repository-cefriel/gruppo-1/models/</a:t>
+            </a:r>
+            <a:endParaRPr lang="it-IT" sz="800" dirty="0"/>
+          </a:p>
+        </p:txBody>
+      </p:sp>
       <p:cxnSp>
         <p:nvCxnSpPr>
-          <p:cNvPr id="48" name="Straight Arrow Connector 47">
-            <a:extLst>
-              <a:ext uri="{FF2B5EF4-FFF2-40B4-BE49-F238E27FC236}">
-                <a16:creationId xmlns:a16="http://schemas.microsoft.com/office/drawing/2014/main" id="{85880BF7-4EB3-3B80-C61F-1E3D5A8BB5F4}"/>
+          <p:cNvPr id="1153" name="Straight Arrow Connector 1152">
+            <a:extLst>
+              <a:ext uri="{FF2B5EF4-FFF2-40B4-BE49-F238E27FC236}">
+                <a16:creationId xmlns:a16="http://schemas.microsoft.com/office/drawing/2014/main" id="{18D89D2A-7249-9A3E-730A-18D731066B2A}"/>
               </a:ext>
             </a:extLst>
           </p:cNvPr>
           <p:cNvCxnSpPr>
             <a:cxnSpLocks/>
-            <a:stCxn id="20" idx="1"/>
-            <a:endCxn id="1034" idx="3"/>
+            <a:endCxn id="1149" idx="1"/>
           </p:cNvCxnSpPr>
           <p:nvPr/>
         </p:nvCxnSpPr>
         <p:spPr>
-          <a:xfrm flipH="1">
-            <a:off x="8466833" y="3082560"/>
-            <a:ext cx="1192024" cy="812642"/>
+          <a:xfrm>
+            <a:off x="9077536" y="3123476"/>
+            <a:ext cx="466507" cy="59"/>
           </a:xfrm>
           <a:prstGeom prst="straightConnector1">
             <a:avLst/>
@@ -5681,7 +5522,7 @@
             <a:solidFill>
               <a:schemeClr val="tx1"/>
             </a:solidFill>
-            <a:prstDash val="dash"/>
+            <a:headEnd type="triangle"/>
             <a:tailEnd type="triangle"/>
           </a:ln>
         </p:spPr>
@@ -5700,6 +5541,311 @@
           </a:fontRef>
         </p:style>
       </p:cxnSp>
+      <p:pic>
+        <p:nvPicPr>
+          <p:cNvPr id="1156" name="Graphic 8">
+            <a:extLst>
+              <a:ext uri="{FF2B5EF4-FFF2-40B4-BE49-F238E27FC236}">
+                <a16:creationId xmlns:a16="http://schemas.microsoft.com/office/drawing/2014/main" id="{9D58676D-CDA9-D331-C2FB-02256B97C5E6}"/>
+              </a:ext>
+            </a:extLst>
+          </p:cNvPr>
+          <p:cNvPicPr>
+            <a:picLocks noChangeAspect="1" noChangeArrowheads="1"/>
+          </p:cNvPicPr>
+          <p:nvPr/>
+        </p:nvPicPr>
+        <p:blipFill>
+          <a:blip r:embed="rId3">
+            <a:extLst>
+              <a:ext uri="{28A0092B-C50C-407E-A947-70E740481C1C}">
+                <a14:useLocalDpi xmlns:a14="http://schemas.microsoft.com/office/drawing/2010/main" val="0"/>
+              </a:ext>
+            </a:extLst>
+          </a:blip>
+          <a:srcRect/>
+          <a:stretch>
+            <a:fillRect/>
+          </a:stretch>
+        </p:blipFill>
+        <p:spPr bwMode="auto">
+          <a:xfrm>
+            <a:off x="9544043" y="3901557"/>
+            <a:ext cx="500290" cy="500290"/>
+          </a:xfrm>
+          <a:prstGeom prst="rect">
+            <a:avLst/>
+          </a:prstGeom>
+          <a:noFill/>
+          <a:ln>
+            <a:noFill/>
+          </a:ln>
+          <a:extLst>
+            <a:ext uri="{909E8E84-426E-40DD-AFC4-6F175D3DCCD1}">
+              <a14:hiddenFill xmlns:a14="http://schemas.microsoft.com/office/drawing/2010/main">
+                <a:solidFill>
+                  <a:srgbClr val="FFFFFF"/>
+                </a:solidFill>
+              </a14:hiddenFill>
+            </a:ext>
+            <a:ext uri="{91240B29-F687-4F45-9708-019B960494DF}">
+              <a14:hiddenLine xmlns:a14="http://schemas.microsoft.com/office/drawing/2010/main" w="9525">
+                <a:solidFill>
+                  <a:srgbClr val="000000"/>
+                </a:solidFill>
+                <a:miter lim="800000"/>
+                <a:headEnd/>
+                <a:tailEnd/>
+              </a14:hiddenLine>
+            </a:ext>
+          </a:extLst>
+        </p:spPr>
+      </p:pic>
+      <p:sp>
+        <p:nvSpPr>
+          <p:cNvPr id="1157" name="TextBox 1156">
+            <a:extLst>
+              <a:ext uri="{FF2B5EF4-FFF2-40B4-BE49-F238E27FC236}">
+                <a16:creationId xmlns:a16="http://schemas.microsoft.com/office/drawing/2014/main" id="{8B6898C1-1D4E-3E31-B29D-F13E49B95E37}"/>
+              </a:ext>
+            </a:extLst>
+          </p:cNvPr>
+          <p:cNvSpPr txBox="1"/>
+          <p:nvPr/>
+        </p:nvSpPr>
+        <p:spPr>
+          <a:xfrm>
+            <a:off x="9162672" y="4394256"/>
+            <a:ext cx="1374266" cy="461665"/>
+          </a:xfrm>
+          <a:prstGeom prst="rect">
+            <a:avLst/>
+          </a:prstGeom>
+          <a:noFill/>
+        </p:spPr>
+        <p:txBody>
+          <a:bodyPr wrap="square">
+            <a:spAutoFit/>
+          </a:bodyPr>
+          <a:lstStyle/>
+          <a:p>
+            <a:pPr algn="ctr"/>
+            <a:r>
+              <a:rPr lang="it-IT" sz="800" b="0" i="0" dirty="0">
+                <a:solidFill>
+                  <a:srgbClr val="0F141A"/>
+                </a:solidFill>
+                <a:effectLst/>
+                <a:latin typeface="Amazon Ember" panose="020B0603020204020204"/>
+              </a:rPr>
+              <a:t>s3://data-remote-repository-cefriel/gruppo-1/outputs/</a:t>
+            </a:r>
+            <a:endParaRPr lang="it-IT" sz="800" dirty="0"/>
+          </a:p>
+        </p:txBody>
+      </p:sp>
+      <p:cxnSp>
+        <p:nvCxnSpPr>
+          <p:cNvPr id="1161" name="Straight Arrow Connector 1160">
+            <a:extLst>
+              <a:ext uri="{FF2B5EF4-FFF2-40B4-BE49-F238E27FC236}">
+                <a16:creationId xmlns:a16="http://schemas.microsoft.com/office/drawing/2014/main" id="{D751401D-01D6-AA9C-6191-568D44903147}"/>
+              </a:ext>
+            </a:extLst>
+          </p:cNvPr>
+          <p:cNvCxnSpPr>
+            <a:cxnSpLocks/>
+          </p:cNvCxnSpPr>
+          <p:nvPr/>
+        </p:nvCxnSpPr>
+        <p:spPr>
+          <a:xfrm>
+            <a:off x="9049062" y="4151702"/>
+            <a:ext cx="466507" cy="59"/>
+          </a:xfrm>
+          <a:prstGeom prst="straightConnector1">
+            <a:avLst/>
+          </a:prstGeom>
+          <a:ln>
+            <a:solidFill>
+              <a:schemeClr val="tx1"/>
+            </a:solidFill>
+            <a:headEnd type="triangle"/>
+            <a:tailEnd type="triangle"/>
+          </a:ln>
+        </p:spPr>
+        <p:style>
+          <a:lnRef idx="1">
+            <a:schemeClr val="accent1"/>
+          </a:lnRef>
+          <a:fillRef idx="0">
+            <a:schemeClr val="accent1"/>
+          </a:fillRef>
+          <a:effectRef idx="0">
+            <a:schemeClr val="accent1"/>
+          </a:effectRef>
+          <a:fontRef idx="minor">
+            <a:schemeClr val="tx1"/>
+          </a:fontRef>
+        </p:style>
+      </p:cxnSp>
+      <p:sp>
+        <p:nvSpPr>
+          <p:cNvPr id="1162" name="TextBox 1161">
+            <a:extLst>
+              <a:ext uri="{FF2B5EF4-FFF2-40B4-BE49-F238E27FC236}">
+                <a16:creationId xmlns:a16="http://schemas.microsoft.com/office/drawing/2014/main" id="{0DF088E4-3BD5-569D-FAEF-ADDFE2D3065B}"/>
+              </a:ext>
+            </a:extLst>
+          </p:cNvPr>
+          <p:cNvSpPr txBox="1"/>
+          <p:nvPr/>
+        </p:nvSpPr>
+        <p:spPr>
+          <a:xfrm>
+            <a:off x="7280315" y="3732683"/>
+            <a:ext cx="1560481" cy="215444"/>
+          </a:xfrm>
+          <a:prstGeom prst="rect">
+            <a:avLst/>
+          </a:prstGeom>
+          <a:noFill/>
+        </p:spPr>
+        <p:txBody>
+          <a:bodyPr wrap="square">
+            <a:spAutoFit/>
+          </a:bodyPr>
+          <a:lstStyle/>
+          <a:p>
+            <a:r>
+              <a:rPr lang="it-IT" sz="800" dirty="0" err="1">
+                <a:latin typeface="Amazon Ember" panose="020B0603020204020204"/>
+              </a:rPr>
+              <a:t>SageMaker</a:t>
+            </a:r>
+            <a:r>
+              <a:rPr lang="it-IT" sz="800" dirty="0">
+                <a:latin typeface="Amazon Ember" panose="020B0603020204020204"/>
+              </a:rPr>
+              <a:t> </a:t>
+            </a:r>
+            <a:r>
+              <a:rPr lang="it-IT" sz="800" dirty="0" err="1">
+                <a:latin typeface="Amazon Ember" panose="020B0603020204020204"/>
+              </a:rPr>
+              <a:t>CreateTraningJob</a:t>
+            </a:r>
+            <a:endParaRPr lang="it-IT" sz="800" dirty="0">
+              <a:latin typeface="Amazon Ember" panose="020B0603020204020204"/>
+            </a:endParaRPr>
+          </a:p>
+        </p:txBody>
+      </p:sp>
+      <p:sp>
+        <p:nvSpPr>
+          <p:cNvPr id="1163" name="TextBox 1162">
+            <a:extLst>
+              <a:ext uri="{FF2B5EF4-FFF2-40B4-BE49-F238E27FC236}">
+                <a16:creationId xmlns:a16="http://schemas.microsoft.com/office/drawing/2014/main" id="{E8948E1D-C023-34D4-584C-BCD31D17C0E9}"/>
+              </a:ext>
+            </a:extLst>
+          </p:cNvPr>
+          <p:cNvSpPr txBox="1"/>
+          <p:nvPr/>
+        </p:nvSpPr>
+        <p:spPr>
+          <a:xfrm>
+            <a:off x="7339976" y="4553705"/>
+            <a:ext cx="1560481" cy="215444"/>
+          </a:xfrm>
+          <a:prstGeom prst="rect">
+            <a:avLst/>
+          </a:prstGeom>
+          <a:noFill/>
+        </p:spPr>
+        <p:txBody>
+          <a:bodyPr wrap="square">
+            <a:spAutoFit/>
+          </a:bodyPr>
+          <a:lstStyle/>
+          <a:p>
+            <a:r>
+              <a:rPr lang="it-IT" sz="800" dirty="0" err="1">
+                <a:latin typeface="Amazon Ember" panose="020B0603020204020204"/>
+              </a:rPr>
+              <a:t>SageMaker</a:t>
+            </a:r>
+            <a:r>
+              <a:rPr lang="it-IT" sz="800" dirty="0">
+                <a:latin typeface="Amazon Ember" panose="020B0603020204020204"/>
+              </a:rPr>
+              <a:t> </a:t>
+            </a:r>
+            <a:r>
+              <a:rPr lang="it-IT" sz="800" dirty="0" err="1">
+                <a:latin typeface="Amazon Ember" panose="020B0603020204020204"/>
+              </a:rPr>
+              <a:t>CreateTraningJob</a:t>
+            </a:r>
+            <a:endParaRPr lang="it-IT" sz="800" dirty="0">
+              <a:latin typeface="Amazon Ember" panose="020B0603020204020204"/>
+            </a:endParaRPr>
+          </a:p>
+        </p:txBody>
+      </p:sp>
+      <p:sp>
+        <p:nvSpPr>
+          <p:cNvPr id="1187" name="Rectangle 1186">
+            <a:extLst>
+              <a:ext uri="{FF2B5EF4-FFF2-40B4-BE49-F238E27FC236}">
+                <a16:creationId xmlns:a16="http://schemas.microsoft.com/office/drawing/2014/main" id="{D933FDA9-8DDF-E976-0B3D-5BF7D51EB643}"/>
+              </a:ext>
+            </a:extLst>
+          </p:cNvPr>
+          <p:cNvSpPr/>
+          <p:nvPr/>
+        </p:nvSpPr>
+        <p:spPr>
+          <a:xfrm>
+            <a:off x="7280315" y="1538649"/>
+            <a:ext cx="1489385" cy="3413943"/>
+          </a:xfrm>
+          <a:prstGeom prst="rect">
+            <a:avLst/>
+          </a:prstGeom>
+          <a:noFill/>
+          <a:ln>
+            <a:solidFill>
+              <a:schemeClr val="tx1"/>
+            </a:solidFill>
+            <a:prstDash val="sysDash"/>
+          </a:ln>
+        </p:spPr>
+        <p:style>
+          <a:lnRef idx="2">
+            <a:schemeClr val="accent1">
+              <a:shade val="15000"/>
+            </a:schemeClr>
+          </a:lnRef>
+          <a:fillRef idx="1">
+            <a:schemeClr val="accent1"/>
+          </a:fillRef>
+          <a:effectRef idx="0">
+            <a:schemeClr val="accent1"/>
+          </a:effectRef>
+          <a:fontRef idx="minor">
+            <a:schemeClr val="lt1"/>
+          </a:fontRef>
+        </p:style>
+        <p:txBody>
+          <a:bodyPr rtlCol="0" anchor="ctr"/>
+          <a:lstStyle/>
+          <a:p>
+            <a:pPr algn="ctr"/>
+            <a:endParaRPr lang="it-IT" dirty="0"/>
+          </a:p>
+        </p:txBody>
+      </p:sp>
     </p:spTree>
     <p:extLst>
       <p:ext uri="{BB962C8B-B14F-4D97-AF65-F5344CB8AC3E}">

--- a/Doc/M5-G1-architecture-draft.pptx
+++ b/Doc/M5-G1-architecture-draft.pptx
@@ -269,7 +269,7 @@
           <a:p>
             <a:fld id="{AB748347-A6DF-4256-819A-9872CE6F5B9A}" type="datetimeFigureOut">
               <a:rPr lang="it-IT" smtClean="0"/>
-              <a:t>31/01/2025</a:t>
+              <a:t>01/02/2025</a:t>
             </a:fld>
             <a:endParaRPr lang="it-IT"/>
           </a:p>
@@ -469,7 +469,7 @@
           <a:p>
             <a:fld id="{AB748347-A6DF-4256-819A-9872CE6F5B9A}" type="datetimeFigureOut">
               <a:rPr lang="it-IT" smtClean="0"/>
-              <a:t>31/01/2025</a:t>
+              <a:t>01/02/2025</a:t>
             </a:fld>
             <a:endParaRPr lang="it-IT"/>
           </a:p>
@@ -679,7 +679,7 @@
           <a:p>
             <a:fld id="{AB748347-A6DF-4256-819A-9872CE6F5B9A}" type="datetimeFigureOut">
               <a:rPr lang="it-IT" smtClean="0"/>
-              <a:t>31/01/2025</a:t>
+              <a:t>01/02/2025</a:t>
             </a:fld>
             <a:endParaRPr lang="it-IT"/>
           </a:p>
@@ -879,7 +879,7 @@
           <a:p>
             <a:fld id="{AB748347-A6DF-4256-819A-9872CE6F5B9A}" type="datetimeFigureOut">
               <a:rPr lang="it-IT" smtClean="0"/>
-              <a:t>31/01/2025</a:t>
+              <a:t>01/02/2025</a:t>
             </a:fld>
             <a:endParaRPr lang="it-IT"/>
           </a:p>
@@ -1155,7 +1155,7 @@
           <a:p>
             <a:fld id="{AB748347-A6DF-4256-819A-9872CE6F5B9A}" type="datetimeFigureOut">
               <a:rPr lang="it-IT" smtClean="0"/>
-              <a:t>31/01/2025</a:t>
+              <a:t>01/02/2025</a:t>
             </a:fld>
             <a:endParaRPr lang="it-IT"/>
           </a:p>
@@ -1423,7 +1423,7 @@
           <a:p>
             <a:fld id="{AB748347-A6DF-4256-819A-9872CE6F5B9A}" type="datetimeFigureOut">
               <a:rPr lang="it-IT" smtClean="0"/>
-              <a:t>31/01/2025</a:t>
+              <a:t>01/02/2025</a:t>
             </a:fld>
             <a:endParaRPr lang="it-IT"/>
           </a:p>
@@ -1838,7 +1838,7 @@
           <a:p>
             <a:fld id="{AB748347-A6DF-4256-819A-9872CE6F5B9A}" type="datetimeFigureOut">
               <a:rPr lang="it-IT" smtClean="0"/>
-              <a:t>31/01/2025</a:t>
+              <a:t>01/02/2025</a:t>
             </a:fld>
             <a:endParaRPr lang="it-IT"/>
           </a:p>
@@ -1980,7 +1980,7 @@
           <a:p>
             <a:fld id="{AB748347-A6DF-4256-819A-9872CE6F5B9A}" type="datetimeFigureOut">
               <a:rPr lang="it-IT" smtClean="0"/>
-              <a:t>31/01/2025</a:t>
+              <a:t>01/02/2025</a:t>
             </a:fld>
             <a:endParaRPr lang="it-IT"/>
           </a:p>
@@ -2093,7 +2093,7 @@
           <a:p>
             <a:fld id="{AB748347-A6DF-4256-819A-9872CE6F5B9A}" type="datetimeFigureOut">
               <a:rPr lang="it-IT" smtClean="0"/>
-              <a:t>31/01/2025</a:t>
+              <a:t>01/02/2025</a:t>
             </a:fld>
             <a:endParaRPr lang="it-IT"/>
           </a:p>
@@ -2406,7 +2406,7 @@
           <a:p>
             <a:fld id="{AB748347-A6DF-4256-819A-9872CE6F5B9A}" type="datetimeFigureOut">
               <a:rPr lang="it-IT" smtClean="0"/>
-              <a:t>31/01/2025</a:t>
+              <a:t>01/02/2025</a:t>
             </a:fld>
             <a:endParaRPr lang="it-IT"/>
           </a:p>
@@ -2695,7 +2695,7 @@
           <a:p>
             <a:fld id="{AB748347-A6DF-4256-819A-9872CE6F5B9A}" type="datetimeFigureOut">
               <a:rPr lang="it-IT" smtClean="0"/>
-              <a:t>31/01/2025</a:t>
+              <a:t>01/02/2025</a:t>
             </a:fld>
             <a:endParaRPr lang="it-IT"/>
           </a:p>
@@ -2938,7 +2938,7 @@
           <a:p>
             <a:fld id="{AB748347-A6DF-4256-819A-9872CE6F5B9A}" type="datetimeFigureOut">
               <a:rPr lang="it-IT" smtClean="0"/>
-              <a:t>31/01/2025</a:t>
+              <a:t>01/02/2025</a:t>
             </a:fld>
             <a:endParaRPr lang="it-IT"/>
           </a:p>
@@ -5452,7 +5452,7 @@
         <p:spPr>
           <a:xfrm>
             <a:off x="9136574" y="3358291"/>
-            <a:ext cx="1374266" cy="461665"/>
+            <a:ext cx="1374266" cy="338554"/>
           </a:xfrm>
           <a:prstGeom prst="rect">
             <a:avLst/>
@@ -5474,7 +5474,7 @@
                 <a:effectLst/>
                 <a:latin typeface="Amazon Ember" panose="020B0603020204020204"/>
               </a:rPr>
-              <a:t>s3://data-remote-repository-cefriel/gruppo-1/model/</a:t>
+              <a:t>s3://model-remote-repository-cefriel </a:t>
             </a:r>
             <a:endParaRPr lang="it-IT" sz="800" dirty="0"/>
           </a:p>
